--- a/Unit 3 Kinematics/Day01 ScalarsVectors/Displacement Mapping Activity.pptx
+++ b/Unit 3 Kinematics/Day01 ScalarsVectors/Displacement Mapping Activity.pptx
@@ -5,7 +5,7 @@
     <p:sldMasterId id="2147483648" r:id="rId1"/>
   </p:sldMasterIdLst>
   <p:notesMasterIdLst>
-    <p:notesMasterId r:id="rId31"/>
+    <p:notesMasterId r:id="rId32"/>
   </p:notesMasterIdLst>
   <p:sldIdLst>
     <p:sldId id="256" r:id="rId2"/>
@@ -36,7 +36,8 @@
     <p:sldId id="288" r:id="rId27"/>
     <p:sldId id="289" r:id="rId28"/>
     <p:sldId id="280" r:id="rId29"/>
-    <p:sldId id="286" r:id="rId30"/>
+    <p:sldId id="296" r:id="rId30"/>
+    <p:sldId id="286" r:id="rId31"/>
   </p:sldIdLst>
   <p:sldSz cx="9144000" cy="6858000" type="screen4x3"/>
   <p:notesSz cx="7023100" cy="9309100"/>
@@ -237,7 +238,7 @@
             <a:fld id="{6342F7D0-0A03-4647-9226-5682F7D75B77}" type="datetimeFigureOut">
               <a:rPr lang="en-US" smtClean="0"/>
               <a:pPr/>
-              <a:t>4/1/2019</a:t>
+              <a:t>10/16/2019</a:t>
             </a:fld>
             <a:endParaRPr lang="en-US"/>
           </a:p>
@@ -1198,7 +1199,7 @@
             <a:fld id="{1D8BD707-D9CF-40AE-B4C6-C98DA3205C09}" type="datetimeFigureOut">
               <a:rPr lang="en-US" smtClean="0"/>
               <a:pPr/>
-              <a:t>4/1/2019</a:t>
+              <a:t>10/16/2019</a:t>
             </a:fld>
             <a:endParaRPr lang="en-US"/>
           </a:p>
@@ -1365,7 +1366,7 @@
             <a:fld id="{1D8BD707-D9CF-40AE-B4C6-C98DA3205C09}" type="datetimeFigureOut">
               <a:rPr lang="en-US" smtClean="0"/>
               <a:pPr/>
-              <a:t>4/1/2019</a:t>
+              <a:t>10/16/2019</a:t>
             </a:fld>
             <a:endParaRPr lang="en-US"/>
           </a:p>
@@ -1542,7 +1543,7 @@
             <a:fld id="{1D8BD707-D9CF-40AE-B4C6-C98DA3205C09}" type="datetimeFigureOut">
               <a:rPr lang="en-US" smtClean="0"/>
               <a:pPr/>
-              <a:t>4/1/2019</a:t>
+              <a:t>10/16/2019</a:t>
             </a:fld>
             <a:endParaRPr lang="en-US"/>
           </a:p>
@@ -1709,7 +1710,7 @@
             <a:fld id="{1D8BD707-D9CF-40AE-B4C6-C98DA3205C09}" type="datetimeFigureOut">
               <a:rPr lang="en-US" smtClean="0"/>
               <a:pPr/>
-              <a:t>4/1/2019</a:t>
+              <a:t>10/16/2019</a:t>
             </a:fld>
             <a:endParaRPr lang="en-US"/>
           </a:p>
@@ -1952,7 +1953,7 @@
             <a:fld id="{1D8BD707-D9CF-40AE-B4C6-C98DA3205C09}" type="datetimeFigureOut">
               <a:rPr lang="en-US" smtClean="0"/>
               <a:pPr/>
-              <a:t>4/1/2019</a:t>
+              <a:t>10/16/2019</a:t>
             </a:fld>
             <a:endParaRPr lang="en-US"/>
           </a:p>
@@ -2237,7 +2238,7 @@
             <a:fld id="{1D8BD707-D9CF-40AE-B4C6-C98DA3205C09}" type="datetimeFigureOut">
               <a:rPr lang="en-US" smtClean="0"/>
               <a:pPr/>
-              <a:t>4/1/2019</a:t>
+              <a:t>10/16/2019</a:t>
             </a:fld>
             <a:endParaRPr lang="en-US"/>
           </a:p>
@@ -2656,7 +2657,7 @@
             <a:fld id="{1D8BD707-D9CF-40AE-B4C6-C98DA3205C09}" type="datetimeFigureOut">
               <a:rPr lang="en-US" smtClean="0"/>
               <a:pPr/>
-              <a:t>4/1/2019</a:t>
+              <a:t>10/16/2019</a:t>
             </a:fld>
             <a:endParaRPr lang="en-US"/>
           </a:p>
@@ -2771,7 +2772,7 @@
             <a:fld id="{1D8BD707-D9CF-40AE-B4C6-C98DA3205C09}" type="datetimeFigureOut">
               <a:rPr lang="en-US" smtClean="0"/>
               <a:pPr/>
-              <a:t>4/1/2019</a:t>
+              <a:t>10/16/2019</a:t>
             </a:fld>
             <a:endParaRPr lang="en-US"/>
           </a:p>
@@ -2863,7 +2864,7 @@
             <a:fld id="{1D8BD707-D9CF-40AE-B4C6-C98DA3205C09}" type="datetimeFigureOut">
               <a:rPr lang="en-US" smtClean="0"/>
               <a:pPr/>
-              <a:t>4/1/2019</a:t>
+              <a:t>10/16/2019</a:t>
             </a:fld>
             <a:endParaRPr lang="en-US"/>
           </a:p>
@@ -3137,7 +3138,7 @@
             <a:fld id="{1D8BD707-D9CF-40AE-B4C6-C98DA3205C09}" type="datetimeFigureOut">
               <a:rPr lang="en-US" smtClean="0"/>
               <a:pPr/>
-              <a:t>4/1/2019</a:t>
+              <a:t>10/16/2019</a:t>
             </a:fld>
             <a:endParaRPr lang="en-US"/>
           </a:p>
@@ -3387,7 +3388,7 @@
             <a:fld id="{1D8BD707-D9CF-40AE-B4C6-C98DA3205C09}" type="datetimeFigureOut">
               <a:rPr lang="en-US" smtClean="0"/>
               <a:pPr/>
-              <a:t>4/1/2019</a:t>
+              <a:t>10/16/2019</a:t>
             </a:fld>
             <a:endParaRPr lang="en-US"/>
           </a:p>
@@ -3597,7 +3598,7 @@
             <a:fld id="{1D8BD707-D9CF-40AE-B4C6-C98DA3205C09}" type="datetimeFigureOut">
               <a:rPr lang="en-US" smtClean="0"/>
               <a:pPr/>
-              <a:t>4/1/2019</a:t>
+              <a:t>10/16/2019</a:t>
             </a:fld>
             <a:endParaRPr lang="en-US"/>
           </a:p>
@@ -5585,15 +5586,7 @@
                   <a:srgbClr val="FF0000"/>
                 </a:solidFill>
               </a:rPr>
-              <a:t>2.5 </a:t>
-            </a:r>
-            <a:r>
-              <a:rPr lang="en-CA" b="1" dirty="0" smtClean="0">
-                <a:solidFill>
-                  <a:srgbClr val="FF0000"/>
-                </a:solidFill>
-              </a:rPr>
-              <a:t>Km [North]</a:t>
+              <a:t>2.6 Km [North]</a:t>
             </a:r>
             <a:endParaRPr lang="en-US" b="1" dirty="0">
               <a:solidFill>
@@ -5631,15 +5624,7 @@
                   <a:srgbClr val="FF0000"/>
                 </a:solidFill>
               </a:rPr>
-              <a:t>2.0 </a:t>
-            </a:r>
-            <a:r>
-              <a:rPr lang="en-CA" b="1" dirty="0" smtClean="0">
-                <a:solidFill>
-                  <a:srgbClr val="FF0000"/>
-                </a:solidFill>
-              </a:rPr>
-              <a:t>Km [East]</a:t>
+              <a:t>2.1 Km [East]</a:t>
             </a:r>
             <a:endParaRPr lang="en-US" b="1" dirty="0">
               <a:solidFill>
@@ -5905,15 +5890,7 @@
             </a:r>
             <a:r>
               <a:rPr lang="en-US" dirty="0" smtClean="0"/>
-              <a:t> </a:t>
-            </a:r>
-            <a:r>
-              <a:rPr lang="en-US" dirty="0" smtClean="0"/>
-              <a:t>– </a:t>
-            </a:r>
-            <a:r>
-              <a:rPr lang="en-US" dirty="0" smtClean="0"/>
-              <a:t>Position</a:t>
+              <a:t> – Position</a:t>
             </a:r>
             <a:endParaRPr lang="en-US" dirty="0"/>
           </a:p>
@@ -5956,7 +5933,6 @@
               <a:rPr lang="en-US" dirty="0" smtClean="0"/>
               <a:t>McDonald’s:         	= 2.0 Km [East]</a:t>
             </a:r>
-            <a:endParaRPr lang="en-US" dirty="0" smtClean="0"/>
           </a:p>
           <a:p>
             <a:endParaRPr lang="en-US" dirty="0" smtClean="0"/>
@@ -6240,15 +6216,7 @@
             </a:r>
             <a:r>
               <a:rPr lang="en-US" dirty="0" smtClean="0"/>
-              <a:t> </a:t>
-            </a:r>
-            <a:r>
-              <a:rPr lang="en-US" dirty="0" smtClean="0"/>
-              <a:t>– </a:t>
-            </a:r>
-            <a:r>
-              <a:rPr lang="en-US" dirty="0" smtClean="0"/>
-              <a:t>Position</a:t>
+              <a:t> – Position</a:t>
             </a:r>
             <a:endParaRPr lang="en-US" dirty="0"/>
           </a:p>
@@ -6291,7 +6259,6 @@
               <a:rPr lang="en-US" dirty="0" smtClean="0"/>
               <a:t>McDonald’s:         	= 2.0 Km [East]</a:t>
             </a:r>
-            <a:endParaRPr lang="en-US" dirty="0" smtClean="0"/>
           </a:p>
           <a:p>
             <a:endParaRPr lang="en-US" dirty="0" smtClean="0"/>
@@ -6767,15 +6734,7 @@
                   <a:srgbClr val="FF0000"/>
                 </a:solidFill>
               </a:rPr>
-              <a:t>2.5 </a:t>
-            </a:r>
-            <a:r>
-              <a:rPr lang="en-CA" b="1" dirty="0" smtClean="0">
-                <a:solidFill>
-                  <a:srgbClr val="FF0000"/>
-                </a:solidFill>
-              </a:rPr>
-              <a:t>Km [North]</a:t>
+              <a:t>2.5 Km [North]</a:t>
             </a:r>
             <a:endParaRPr lang="en-US" b="1" dirty="0">
               <a:solidFill>
@@ -6813,15 +6772,7 @@
                   <a:srgbClr val="FF0000"/>
                 </a:solidFill>
               </a:rPr>
-              <a:t>2.0 </a:t>
-            </a:r>
-            <a:r>
-              <a:rPr lang="en-CA" b="1" dirty="0" smtClean="0">
-                <a:solidFill>
-                  <a:srgbClr val="FF0000"/>
-                </a:solidFill>
-              </a:rPr>
-              <a:t>Km [East]</a:t>
+              <a:t>2.0 Km [East]</a:t>
             </a:r>
             <a:endParaRPr lang="en-US" b="1" dirty="0">
               <a:solidFill>
@@ -6896,15 +6847,7 @@
                   <a:srgbClr val="0070C0"/>
                 </a:solidFill>
               </a:rPr>
-              <a:t>3.2 </a:t>
-            </a:r>
-            <a:r>
-              <a:rPr lang="en-CA" b="1" dirty="0" smtClean="0">
-                <a:solidFill>
-                  <a:srgbClr val="0070C0"/>
-                </a:solidFill>
-              </a:rPr>
-              <a:t>Km [South East]</a:t>
+              <a:t>3.2 Km [South East]</a:t>
             </a:r>
             <a:endParaRPr lang="en-US" b="1" dirty="0">
               <a:solidFill>
@@ -7166,11 +7109,7 @@
           <a:p>
             <a:r>
               <a:rPr lang="en-US" dirty="0" smtClean="0"/>
-              <a:t>Displacement </a:t>
-            </a:r>
-            <a:r>
-              <a:rPr lang="en-US" dirty="0" smtClean="0"/>
-              <a:t>Example (1D)</a:t>
+              <a:t>Displacement Example (1D)</a:t>
             </a:r>
             <a:endParaRPr lang="en-US" dirty="0"/>
           </a:p>
@@ -7207,11 +7146,7 @@
             </a:r>
             <a:r>
               <a:rPr lang="en-US" b="1" dirty="0" smtClean="0"/>
-              <a:t>25 m [East</a:t>
-            </a:r>
-            <a:r>
-              <a:rPr lang="en-US" b="1" dirty="0" smtClean="0"/>
-              <a:t>]</a:t>
+              <a:t>25 m [East]</a:t>
             </a:r>
           </a:p>
           <a:p>
@@ -7733,11 +7668,7 @@
           <a:p>
             <a:r>
               <a:rPr lang="en-US" dirty="0" smtClean="0"/>
-              <a:t>Displacement </a:t>
-            </a:r>
-            <a:r>
-              <a:rPr lang="en-US" dirty="0" smtClean="0"/>
-              <a:t>Example (1D)</a:t>
+              <a:t>Displacement Example (1D)</a:t>
             </a:r>
             <a:endParaRPr lang="en-US" dirty="0"/>
           </a:p>
@@ -9776,15 +9707,7 @@
                   <a:srgbClr val="FF0000"/>
                 </a:solidFill>
               </a:rPr>
-              <a:t>2.5 </a:t>
-            </a:r>
-            <a:r>
-              <a:rPr lang="en-CA" b="1" dirty="0" smtClean="0">
-                <a:solidFill>
-                  <a:srgbClr val="FF0000"/>
-                </a:solidFill>
-              </a:rPr>
-              <a:t>Km</a:t>
+              <a:t>2.5 Km</a:t>
             </a:r>
             <a:endParaRPr lang="en-US" b="1" dirty="0">
               <a:solidFill>
@@ -9822,15 +9745,7 @@
                   <a:srgbClr val="FF0000"/>
                 </a:solidFill>
               </a:rPr>
-              <a:t>2.0 </a:t>
-            </a:r>
-            <a:r>
-              <a:rPr lang="en-CA" b="1" dirty="0" smtClean="0">
-                <a:solidFill>
-                  <a:srgbClr val="FF0000"/>
-                </a:solidFill>
-              </a:rPr>
-              <a:t>Km</a:t>
+              <a:t>2.0 Km</a:t>
             </a:r>
             <a:endParaRPr lang="en-US" b="1" dirty="0">
               <a:solidFill>
@@ -10389,15 +10304,7 @@
                   <a:srgbClr val="FF0000"/>
                 </a:solidFill>
               </a:rPr>
-              <a:t>2.5 </a:t>
-            </a:r>
-            <a:r>
-              <a:rPr lang="en-CA" b="1" dirty="0" smtClean="0">
-                <a:solidFill>
-                  <a:srgbClr val="FF0000"/>
-                </a:solidFill>
-              </a:rPr>
-              <a:t>Km</a:t>
+              <a:t>2.5 Km</a:t>
             </a:r>
             <a:endParaRPr lang="en-US" b="1" dirty="0">
               <a:solidFill>
@@ -10435,15 +10342,7 @@
                   <a:srgbClr val="FF0000"/>
                 </a:solidFill>
               </a:rPr>
-              <a:t>2.0 </a:t>
-            </a:r>
-            <a:r>
-              <a:rPr lang="en-CA" b="1" dirty="0" smtClean="0">
-                <a:solidFill>
-                  <a:srgbClr val="FF0000"/>
-                </a:solidFill>
-              </a:rPr>
-              <a:t>Km</a:t>
+              <a:t>2.0 Km</a:t>
             </a:r>
             <a:endParaRPr lang="en-US" b="1" dirty="0">
               <a:solidFill>
@@ -10906,7 +10805,11 @@
           <a:bodyPr/>
           <a:lstStyle/>
           <a:p>
-            <a:endParaRPr lang="en-US"/>
+            <a:r>
+              <a:rPr lang="en-CA" dirty="0" smtClean="0"/>
+              <a:t>Average Speed</a:t>
+            </a:r>
+            <a:endParaRPr lang="en-US" dirty="0"/>
           </a:p>
         </p:txBody>
       </p:sp>
@@ -10925,14 +10828,455 @@
           <a:bodyPr/>
           <a:lstStyle/>
           <a:p>
-            <a:endParaRPr lang="en-US"/>
+            <a:r>
+              <a:rPr lang="en-CA" dirty="0" smtClean="0"/>
+              <a:t>Average Speed Formula:</a:t>
+            </a:r>
+          </a:p>
+          <a:p>
+            <a:endParaRPr lang="en-CA" dirty="0"/>
+          </a:p>
+          <a:p>
+            <a:endParaRPr lang="en-CA" dirty="0" smtClean="0"/>
+          </a:p>
+          <a:p>
+            <a:endParaRPr lang="en-CA" dirty="0"/>
+          </a:p>
+          <a:p>
+            <a:r>
+              <a:rPr lang="en-CA" dirty="0" smtClean="0"/>
+              <a:t>The speed limit on </a:t>
+            </a:r>
+            <a:r>
+              <a:rPr lang="en-CA" dirty="0" err="1" smtClean="0"/>
+              <a:t>Bramalea</a:t>
+            </a:r>
+            <a:r>
+              <a:rPr lang="en-CA" dirty="0" smtClean="0"/>
+              <a:t> and </a:t>
+            </a:r>
+            <a:r>
+              <a:rPr lang="en-CA" dirty="0" err="1" smtClean="0"/>
+              <a:t>Bovaird</a:t>
+            </a:r>
+            <a:r>
+              <a:rPr lang="en-CA" dirty="0" smtClean="0"/>
+              <a:t> is </a:t>
+            </a:r>
+            <a:br>
+              <a:rPr lang="en-CA" dirty="0" smtClean="0"/>
+            </a:br>
+            <a:r>
+              <a:rPr lang="en-CA" dirty="0" smtClean="0"/>
+              <a:t>60 km/h but there are several stop lights. </a:t>
+            </a:r>
+            <a:br>
+              <a:rPr lang="en-CA" dirty="0" smtClean="0"/>
+            </a:br>
+            <a:r>
+              <a:rPr lang="en-CA" dirty="0" smtClean="0"/>
+              <a:t>How does this affect your average speed?</a:t>
+            </a:r>
+            <a:endParaRPr lang="en-US" dirty="0"/>
+          </a:p>
+        </p:txBody>
+      </p:sp>
+      <mc:AlternateContent xmlns:mc="http://schemas.openxmlformats.org/markup-compatibility/2006" xmlns:a14="http://schemas.microsoft.com/office/drawing/2010/main">
+        <mc:Choice Requires="a14">
+          <p:sp>
+            <p:nvSpPr>
+              <p:cNvPr id="4" name="TextBox 3"/>
+              <p:cNvSpPr txBox="1"/>
+              <p:nvPr/>
+            </p:nvSpPr>
+            <p:spPr>
+              <a:xfrm>
+                <a:off x="2362200" y="2362200"/>
+                <a:ext cx="5410520" cy="1052019"/>
+              </a:xfrm>
+              <a:prstGeom prst="rect">
+                <a:avLst/>
+              </a:prstGeom>
+              <a:noFill/>
+            </p:spPr>
+            <p:txBody>
+              <a:bodyPr wrap="none" lIns="0" tIns="0" rIns="0" bIns="0" rtlCol="0">
+                <a:spAutoFit/>
+              </a:bodyPr>
+              <a:lstStyle/>
+              <a:p>
+                <a:pPr/>
+                <a14:m>
+                  <m:oMathPara xmlns:m="http://schemas.openxmlformats.org/officeDocument/2006/math">
+                    <m:oMathParaPr>
+                      <m:jc m:val="centerGroup"/>
+                    </m:oMathParaPr>
+                    <m:oMath xmlns:m="http://schemas.openxmlformats.org/officeDocument/2006/math">
+                      <m:r>
+                        <a:rPr lang="en-CA" sz="3600" b="0" i="1" smtClean="0">
+                          <a:latin typeface="Cambria Math" panose="02040503050406030204" pitchFamily="18" charset="0"/>
+                        </a:rPr>
+                        <m:t>𝑣</m:t>
+                      </m:r>
+                      <m:r>
+                        <a:rPr lang="en-CA" sz="3600" b="0" i="1" smtClean="0">
+                          <a:latin typeface="Cambria Math" panose="02040503050406030204" pitchFamily="18" charset="0"/>
+                        </a:rPr>
+                        <m:t>= </m:t>
+                      </m:r>
+                      <m:f>
+                        <m:fPr>
+                          <m:ctrlPr>
+                            <a:rPr lang="en-CA" sz="3600" b="0" i="1" smtClean="0">
+                              <a:latin typeface="Cambria Math" panose="02040503050406030204" pitchFamily="18" charset="0"/>
+                            </a:rPr>
+                          </m:ctrlPr>
+                        </m:fPr>
+                        <m:num>
+                          <m:r>
+                            <a:rPr lang="en-CA" sz="3600" b="0" i="1" smtClean="0">
+                              <a:latin typeface="Cambria Math" panose="02040503050406030204" pitchFamily="18" charset="0"/>
+                            </a:rPr>
+                            <m:t>𝑡𝑜𝑡𝑎𝑙</m:t>
+                          </m:r>
+                          <m:r>
+                            <a:rPr lang="en-CA" sz="3600" b="0" i="1" smtClean="0">
+                              <a:latin typeface="Cambria Math" panose="02040503050406030204" pitchFamily="18" charset="0"/>
+                            </a:rPr>
+                            <m:t> </m:t>
+                          </m:r>
+                          <m:r>
+                            <a:rPr lang="en-CA" sz="3600" b="0" i="1" smtClean="0">
+                              <a:latin typeface="Cambria Math" panose="02040503050406030204" pitchFamily="18" charset="0"/>
+                            </a:rPr>
+                            <m:t>𝑑𝑖𝑠𝑡𝑎𝑛𝑐𝑒</m:t>
+                          </m:r>
+                        </m:num>
+                        <m:den>
+                          <m:r>
+                            <a:rPr lang="en-CA" sz="3600" b="0" i="1" smtClean="0">
+                              <a:latin typeface="Cambria Math" panose="02040503050406030204" pitchFamily="18" charset="0"/>
+                            </a:rPr>
+                            <m:t>𝑡𝑜𝑡𝑎𝑙</m:t>
+                          </m:r>
+                          <m:r>
+                            <a:rPr lang="en-CA" sz="3600" b="0" i="1" smtClean="0">
+                              <a:latin typeface="Cambria Math" panose="02040503050406030204" pitchFamily="18" charset="0"/>
+                            </a:rPr>
+                            <m:t> </m:t>
+                          </m:r>
+                          <m:r>
+                            <a:rPr lang="en-CA" sz="3600" b="0" i="1" smtClean="0">
+                              <a:latin typeface="Cambria Math" panose="02040503050406030204" pitchFamily="18" charset="0"/>
+                            </a:rPr>
+                            <m:t>𝑡𝑖𝑚𝑒</m:t>
+                          </m:r>
+                        </m:den>
+                      </m:f>
+                      <m:r>
+                        <a:rPr lang="en-CA" sz="3600" b="0" i="1" smtClean="0">
+                          <a:latin typeface="Cambria Math" panose="02040503050406030204" pitchFamily="18" charset="0"/>
+                        </a:rPr>
+                        <m:t>=</m:t>
+                      </m:r>
+                      <m:f>
+                        <m:fPr>
+                          <m:ctrlPr>
+                            <a:rPr lang="en-CA" sz="3600" b="0" i="1" smtClean="0">
+                              <a:latin typeface="Cambria Math" panose="02040503050406030204" pitchFamily="18" charset="0"/>
+                            </a:rPr>
+                          </m:ctrlPr>
+                        </m:fPr>
+                        <m:num>
+                          <m:r>
+                            <m:rPr>
+                              <m:sty m:val="p"/>
+                            </m:rPr>
+                            <a:rPr lang="el-GR" sz="3600" b="0" i="1" smtClean="0">
+                              <a:latin typeface="Cambria Math" panose="02040503050406030204" pitchFamily="18" charset="0"/>
+                            </a:rPr>
+                            <m:t>Δ</m:t>
+                          </m:r>
+                          <m:r>
+                            <a:rPr lang="en-CA" sz="3600" b="0" i="1" smtClean="0">
+                              <a:latin typeface="Cambria Math" panose="02040503050406030204" pitchFamily="18" charset="0"/>
+                            </a:rPr>
+                            <m:t>𝑑</m:t>
+                          </m:r>
+                          <m:r>
+                            <a:rPr lang="en-CA" sz="3600" b="0" i="1" baseline="-25000" smtClean="0">
+                              <a:latin typeface="Cambria Math" panose="02040503050406030204" pitchFamily="18" charset="0"/>
+                            </a:rPr>
+                            <m:t>𝑇</m:t>
+                          </m:r>
+                        </m:num>
+                        <m:den>
+                          <m:r>
+                            <m:rPr>
+                              <m:sty m:val="p"/>
+                            </m:rPr>
+                            <a:rPr lang="el-GR" sz="3600" b="0" i="1" smtClean="0">
+                              <a:latin typeface="Cambria Math" panose="02040503050406030204" pitchFamily="18" charset="0"/>
+                            </a:rPr>
+                            <m:t>Δ</m:t>
+                          </m:r>
+                          <m:r>
+                            <a:rPr lang="en-CA" sz="3600" b="0" i="1" smtClean="0">
+                              <a:latin typeface="Cambria Math" panose="02040503050406030204" pitchFamily="18" charset="0"/>
+                            </a:rPr>
+                            <m:t>𝑡</m:t>
+                          </m:r>
+                          <m:r>
+                            <a:rPr lang="en-CA" sz="3600" b="0" i="1" baseline="-25000" smtClean="0">
+                              <a:latin typeface="Cambria Math" panose="02040503050406030204" pitchFamily="18" charset="0"/>
+                            </a:rPr>
+                            <m:t>𝑇</m:t>
+                          </m:r>
+                        </m:den>
+                      </m:f>
+                    </m:oMath>
+                  </m:oMathPara>
+                </a14:m>
+                <a:endParaRPr lang="en-US" dirty="0"/>
+              </a:p>
+            </p:txBody>
+          </p:sp>
+        </mc:Choice>
+        <mc:Fallback xmlns="">
+          <p:sp>
+            <p:nvSpPr>
+              <p:cNvPr id="4" name="TextBox 3"/>
+              <p:cNvSpPr txBox="1">
+                <a:spLocks noRot="1" noChangeAspect="1" noMove="1" noResize="1" noEditPoints="1" noAdjustHandles="1" noChangeArrowheads="1" noChangeShapeType="1" noTextEdit="1"/>
+              </p:cNvSpPr>
+              <p:nvPr/>
+            </p:nvSpPr>
+            <p:spPr>
+              <a:xfrm>
+                <a:off x="2362200" y="2362200"/>
+                <a:ext cx="5410520" cy="1052019"/>
+              </a:xfrm>
+              <a:prstGeom prst="rect">
+                <a:avLst/>
+              </a:prstGeom>
+              <a:blipFill rotWithShape="0">
+                <a:blip r:embed="rId2" cstate="print"/>
+                <a:stretch>
+                  <a:fillRect b="-9302"/>
+                </a:stretch>
+              </a:blipFill>
+            </p:spPr>
+            <p:txBody>
+              <a:bodyPr/>
+              <a:lstStyle/>
+              <a:p>
+                <a:r>
+                  <a:rPr lang="en-US">
+                    <a:noFill/>
+                  </a:rPr>
+                  <a:t> </a:t>
+                </a:r>
+              </a:p>
+            </p:txBody>
+          </p:sp>
+        </mc:Fallback>
+      </mc:AlternateContent>
+      <mc:AlternateContent xmlns:mc="http://schemas.openxmlformats.org/markup-compatibility/2006">
+        <mc:Choice xmlns:a14="http://schemas.microsoft.com/office/drawing/2010/main" Requires="a14">
+          <p:sp>
+            <p:nvSpPr>
+              <p:cNvPr id="5" name="TextBox 4"/>
+              <p:cNvSpPr txBox="1"/>
+              <p:nvPr/>
+            </p:nvSpPr>
+            <p:spPr>
+              <a:xfrm>
+                <a:off x="2133600" y="5775554"/>
+                <a:ext cx="1082604" cy="701218"/>
+              </a:xfrm>
+              <a:prstGeom prst="rect">
+                <a:avLst/>
+              </a:prstGeom>
+              <a:noFill/>
+            </p:spPr>
+            <p:txBody>
+              <a:bodyPr wrap="none" lIns="0" tIns="0" rIns="0" bIns="0" rtlCol="0">
+                <a:spAutoFit/>
+              </a:bodyPr>
+              <a:lstStyle/>
+              <a:p>
+                <a:pPr/>
+                <a14:m>
+                  <m:oMathPara xmlns:m="http://schemas.openxmlformats.org/officeDocument/2006/math">
+                    <m:oMathParaPr>
+                      <m:jc m:val="centerGroup"/>
+                    </m:oMathParaPr>
+                    <m:oMath xmlns:m="http://schemas.openxmlformats.org/officeDocument/2006/math">
+                      <m:r>
+                        <a:rPr lang="en-CA" sz="2400" b="0" i="1" smtClean="0">
+                          <a:solidFill>
+                            <a:srgbClr val="FF0000"/>
+                          </a:solidFill>
+                          <a:latin typeface="Cambria Math" panose="02040503050406030204" pitchFamily="18" charset="0"/>
+                        </a:rPr>
+                        <m:t>𝑣</m:t>
+                      </m:r>
+                      <m:r>
+                        <a:rPr lang="en-CA" sz="2400" b="0" i="1" smtClean="0">
+                          <a:solidFill>
+                            <a:srgbClr val="FF0000"/>
+                          </a:solidFill>
+                          <a:latin typeface="Cambria Math" panose="02040503050406030204" pitchFamily="18" charset="0"/>
+                        </a:rPr>
+                        <m:t>= </m:t>
+                      </m:r>
+                      <m:f>
+                        <m:fPr>
+                          <m:ctrlPr>
+                            <a:rPr lang="en-CA" sz="2400" b="0" i="1" smtClean="0">
+                              <a:solidFill>
+                                <a:srgbClr val="FF0000"/>
+                              </a:solidFill>
+                              <a:latin typeface="Cambria Math" panose="02040503050406030204" pitchFamily="18" charset="0"/>
+                            </a:rPr>
+                          </m:ctrlPr>
+                        </m:fPr>
+                        <m:num>
+                          <m:r>
+                            <m:rPr>
+                              <m:sty m:val="p"/>
+                            </m:rPr>
+                            <a:rPr lang="el-GR" sz="2400" b="0" i="1" smtClean="0">
+                              <a:solidFill>
+                                <a:srgbClr val="FF0000"/>
+                              </a:solidFill>
+                              <a:latin typeface="Cambria Math" panose="02040503050406030204" pitchFamily="18" charset="0"/>
+                            </a:rPr>
+                            <m:t>Δ</m:t>
+                          </m:r>
+                          <m:r>
+                            <a:rPr lang="en-CA" sz="2400" b="0" i="1" smtClean="0">
+                              <a:solidFill>
+                                <a:srgbClr val="FF0000"/>
+                              </a:solidFill>
+                              <a:latin typeface="Cambria Math" panose="02040503050406030204" pitchFamily="18" charset="0"/>
+                            </a:rPr>
+                            <m:t>𝑑</m:t>
+                          </m:r>
+                        </m:num>
+                        <m:den>
+                          <m:r>
+                            <m:rPr>
+                              <m:sty m:val="p"/>
+                            </m:rPr>
+                            <a:rPr lang="el-GR" sz="2400" b="0" i="1" smtClean="0">
+                              <a:solidFill>
+                                <a:srgbClr val="FF0000"/>
+                              </a:solidFill>
+                              <a:latin typeface="Cambria Math" panose="02040503050406030204" pitchFamily="18" charset="0"/>
+                            </a:rPr>
+                            <m:t>Δ</m:t>
+                          </m:r>
+                          <m:r>
+                            <a:rPr lang="en-CA" sz="2400" b="0" i="1" smtClean="0">
+                              <a:solidFill>
+                                <a:srgbClr val="FF0000"/>
+                              </a:solidFill>
+                              <a:latin typeface="Cambria Math" panose="02040503050406030204" pitchFamily="18" charset="0"/>
+                            </a:rPr>
+                            <m:t>𝑡</m:t>
+                          </m:r>
+                        </m:den>
+                      </m:f>
+                    </m:oMath>
+                  </m:oMathPara>
+                </a14:m>
+                <a:endParaRPr lang="en-US" dirty="0"/>
+              </a:p>
+            </p:txBody>
+          </p:sp>
+        </mc:Choice>
+        <mc:Fallback>
+          <p:sp>
+            <p:nvSpPr>
+              <p:cNvPr id="5" name="TextBox 4"/>
+              <p:cNvSpPr txBox="1">
+                <a:spLocks noRot="1" noChangeAspect="1" noMove="1" noResize="1" noEditPoints="1" noAdjustHandles="1" noChangeArrowheads="1" noChangeShapeType="1" noTextEdit="1"/>
+              </p:cNvSpPr>
+              <p:nvPr/>
+            </p:nvSpPr>
+            <p:spPr>
+              <a:xfrm>
+                <a:off x="2133600" y="5775554"/>
+                <a:ext cx="1082604" cy="701218"/>
+              </a:xfrm>
+              <a:prstGeom prst="rect">
+                <a:avLst/>
+              </a:prstGeom>
+              <a:blipFill>
+                <a:blip r:embed="rId3"/>
+                <a:stretch>
+                  <a:fillRect/>
+                </a:stretch>
+              </a:blipFill>
+            </p:spPr>
+            <p:txBody>
+              <a:bodyPr/>
+              <a:lstStyle/>
+              <a:p>
+                <a:r>
+                  <a:rPr lang="en-US">
+                    <a:noFill/>
+                  </a:rPr>
+                  <a:t> </a:t>
+                </a:r>
+              </a:p>
+            </p:txBody>
+          </p:sp>
+        </mc:Fallback>
+      </mc:AlternateContent>
+      <p:sp>
+        <p:nvSpPr>
+          <p:cNvPr id="6" name="TextBox 5"/>
+          <p:cNvSpPr txBox="1"/>
+          <p:nvPr/>
+        </p:nvSpPr>
+        <p:spPr>
+          <a:xfrm>
+            <a:off x="3440561" y="5895330"/>
+            <a:ext cx="4297523" cy="461665"/>
+          </a:xfrm>
+          <a:prstGeom prst="rect">
+            <a:avLst/>
+          </a:prstGeom>
+          <a:noFill/>
+        </p:spPr>
+        <p:txBody>
+          <a:bodyPr wrap="none" rtlCol="0">
+            <a:spAutoFit/>
+          </a:bodyPr>
+          <a:lstStyle/>
+          <a:p>
+            <a:r>
+              <a:rPr lang="en-CA" sz="2400" dirty="0" smtClean="0">
+                <a:solidFill>
+                  <a:srgbClr val="FF0000"/>
+                </a:solidFill>
+              </a:rPr>
+              <a:t>Is your speed for parts of the trip</a:t>
+            </a:r>
+            <a:endParaRPr lang="en-US" sz="2400" dirty="0">
+              <a:solidFill>
+                <a:srgbClr val="FF0000"/>
+              </a:solidFill>
+            </a:endParaRPr>
           </a:p>
         </p:txBody>
       </p:sp>
     </p:spTree>
     <p:extLst>
       <p:ext uri="{BB962C8B-B14F-4D97-AF65-F5344CB8AC3E}">
-        <p14:creationId xmlns:p14="http://schemas.microsoft.com/office/powerpoint/2010/main" val="4251752867"/>
+        <p14:creationId xmlns:p14="http://schemas.microsoft.com/office/powerpoint/2010/main" val="933008419"/>
       </p:ext>
     </p:extLst>
   </p:cSld>
@@ -11082,6 +11426,81 @@
 </p:sld>
 </file>
 
+<file path=ppt/slides/slide30.xml><?xml version="1.0" encoding="utf-8"?>
+<p:sld xmlns:a="http://schemas.openxmlformats.org/drawingml/2006/main" xmlns:r="http://schemas.openxmlformats.org/officeDocument/2006/relationships" xmlns:p="http://schemas.openxmlformats.org/presentationml/2006/main">
+  <p:cSld>
+    <p:spTree>
+      <p:nvGrpSpPr>
+        <p:cNvPr id="1" name=""/>
+        <p:cNvGrpSpPr/>
+        <p:nvPr/>
+      </p:nvGrpSpPr>
+      <p:grpSpPr>
+        <a:xfrm>
+          <a:off x="0" y="0"/>
+          <a:ext cx="0" cy="0"/>
+          <a:chOff x="0" y="0"/>
+          <a:chExt cx="0" cy="0"/>
+        </a:xfrm>
+      </p:grpSpPr>
+      <p:sp>
+        <p:nvSpPr>
+          <p:cNvPr id="2" name="Title 1"/>
+          <p:cNvSpPr>
+            <a:spLocks noGrp="1"/>
+          </p:cNvSpPr>
+          <p:nvPr>
+            <p:ph type="title"/>
+          </p:nvPr>
+        </p:nvSpPr>
+        <p:spPr/>
+        <p:txBody>
+          <a:bodyPr/>
+          <a:lstStyle/>
+          <a:p>
+            <a:endParaRPr lang="en-US"/>
+          </a:p>
+        </p:txBody>
+      </p:sp>
+      <p:sp>
+        <p:nvSpPr>
+          <p:cNvPr id="3" name="Content Placeholder 2"/>
+          <p:cNvSpPr>
+            <a:spLocks noGrp="1"/>
+          </p:cNvSpPr>
+          <p:nvPr>
+            <p:ph idx="1"/>
+          </p:nvPr>
+        </p:nvSpPr>
+        <p:spPr/>
+        <p:txBody>
+          <a:bodyPr/>
+          <a:lstStyle/>
+          <a:p>
+            <a:endParaRPr lang="en-US"/>
+          </a:p>
+        </p:txBody>
+      </p:sp>
+    </p:spTree>
+    <p:extLst>
+      <p:ext uri="{BB962C8B-B14F-4D97-AF65-F5344CB8AC3E}">
+        <p14:creationId xmlns:p14="http://schemas.microsoft.com/office/powerpoint/2010/main" val="4251752867"/>
+      </p:ext>
+    </p:extLst>
+  </p:cSld>
+  <p:clrMapOvr>
+    <a:masterClrMapping/>
+  </p:clrMapOvr>
+  <p:timing>
+    <p:tnLst>
+      <p:par>
+        <p:cTn id="1" dur="indefinite" restart="never" nodeType="tmRoot"/>
+      </p:par>
+    </p:tnLst>
+  </p:timing>
+</p:sld>
+</file>
+
 <file path=ppt/slides/slide4.xml><?xml version="1.0" encoding="utf-8"?>
 <p:sld xmlns:a="http://schemas.openxmlformats.org/drawingml/2006/main" xmlns:r="http://schemas.openxmlformats.org/officeDocument/2006/relationships" xmlns:p="http://schemas.openxmlformats.org/presentationml/2006/main">
   <p:cSld>
@@ -11148,7 +11567,7 @@
           <a:p>
             <a:r>
               <a:rPr lang="en-CA" dirty="0" smtClean="0"/>
-              <a:t>1.0 cm = 145 m</a:t>
+              <a:t>1.0 cm = 154 m</a:t>
             </a:r>
             <a:endParaRPr lang="en-US" dirty="0"/>
           </a:p>
@@ -11164,6 +11583,13 @@
   <p:clrMapOvr>
     <a:masterClrMapping/>
   </p:clrMapOvr>
+  <p:timing>
+    <p:tnLst>
+      <p:par>
+        <p:cTn id="1" dur="indefinite" restart="never" nodeType="tmRoot"/>
+      </p:par>
+    </p:tnLst>
+  </p:timing>
 </p:sld>
 </file>
 
@@ -11509,15 +11935,7 @@
                   <a:srgbClr val="FF0000"/>
                 </a:solidFill>
               </a:rPr>
-              <a:t>2.5 </a:t>
-            </a:r>
-            <a:r>
-              <a:rPr lang="en-CA" b="1" dirty="0" smtClean="0">
-                <a:solidFill>
-                  <a:srgbClr val="FF0000"/>
-                </a:solidFill>
-              </a:rPr>
-              <a:t>Km</a:t>
+              <a:t>2.6 Km</a:t>
             </a:r>
             <a:endParaRPr lang="en-US" b="1" dirty="0">
               <a:solidFill>
@@ -11555,15 +11973,7 @@
                   <a:srgbClr val="FF0000"/>
                 </a:solidFill>
               </a:rPr>
-              <a:t>2.0 </a:t>
-            </a:r>
-            <a:r>
-              <a:rPr lang="en-CA" b="1" dirty="0" smtClean="0">
-                <a:solidFill>
-                  <a:srgbClr val="FF0000"/>
-                </a:solidFill>
-              </a:rPr>
-              <a:t>Km</a:t>
+              <a:t>2.1 Km</a:t>
             </a:r>
             <a:endParaRPr lang="en-US" b="1" dirty="0">
               <a:solidFill>
@@ -11808,15 +12218,7 @@
                   <a:srgbClr val="FF0000"/>
                 </a:solidFill>
               </a:rPr>
-              <a:t>2.5 </a:t>
-            </a:r>
-            <a:r>
-              <a:rPr lang="en-CA" b="1" dirty="0" smtClean="0">
-                <a:solidFill>
-                  <a:srgbClr val="FF0000"/>
-                </a:solidFill>
-              </a:rPr>
-              <a:t>Km</a:t>
+              <a:t>2.6 Km</a:t>
             </a:r>
             <a:endParaRPr lang="en-US" b="1" dirty="0">
               <a:solidFill>
@@ -11854,15 +12256,7 @@
                   <a:srgbClr val="FF0000"/>
                 </a:solidFill>
               </a:rPr>
-              <a:t>2.0 </a:t>
-            </a:r>
-            <a:r>
-              <a:rPr lang="en-CA" b="1" dirty="0" smtClean="0">
-                <a:solidFill>
-                  <a:srgbClr val="FF0000"/>
-                </a:solidFill>
-              </a:rPr>
-              <a:t>Km</a:t>
+              <a:t>2.1 Km</a:t>
             </a:r>
             <a:endParaRPr lang="en-US" b="1" dirty="0">
               <a:solidFill>
@@ -11937,7 +12331,7 @@
                   <a:srgbClr val="0070C0"/>
                 </a:solidFill>
               </a:rPr>
-              <a:t>3.2 Km</a:t>
+              <a:t>3.3 Km</a:t>
             </a:r>
             <a:endParaRPr lang="en-US" b="1" dirty="0">
               <a:solidFill>
@@ -12023,15 +12417,27 @@
           <a:lstStyle/>
           <a:p>
             <a:r>
-              <a:rPr lang="en-US" dirty="0"/>
+              <a:rPr lang="en-US" dirty="0">
+                <a:solidFill>
+                  <a:srgbClr val="FF0000"/>
+                </a:solidFill>
+              </a:rPr>
               <a:t>Scalars (</a:t>
             </a:r>
             <a:r>
-              <a:rPr lang="en-US" i="1" dirty="0"/>
+              <a:rPr lang="en-US" i="1" dirty="0">
+                <a:solidFill>
+                  <a:srgbClr val="FF0000"/>
+                </a:solidFill>
+              </a:rPr>
               <a:t>Distance is a scalar</a:t>
             </a:r>
             <a:r>
-              <a:rPr lang="en-US" dirty="0"/>
+              <a:rPr lang="en-US" dirty="0">
+                <a:solidFill>
+                  <a:srgbClr val="FF0000"/>
+                </a:solidFill>
+              </a:rPr>
               <a:t>)</a:t>
             </a:r>
           </a:p>
@@ -12049,11 +12455,19 @@
               <a:t>                = </a:t>
             </a:r>
             <a:r>
-              <a:rPr lang="en-US" dirty="0" smtClean="0"/>
-              <a:t>4.5 </a:t>
-            </a:r>
-            <a:r>
-              <a:rPr lang="en-US" dirty="0"/>
+              <a:rPr lang="en-US" dirty="0" smtClean="0">
+                <a:solidFill>
+                  <a:srgbClr val="FF0000"/>
+                </a:solidFill>
+              </a:rPr>
+              <a:t>4.7 </a:t>
+            </a:r>
+            <a:r>
+              <a:rPr lang="en-US" dirty="0">
+                <a:solidFill>
+                  <a:srgbClr val="FF0000"/>
+                </a:solidFill>
+              </a:rPr>
               <a:t>Km</a:t>
             </a:r>
           </a:p>
@@ -12062,19 +12476,27 @@
           </a:p>
           <a:p>
             <a:r>
-              <a:rPr lang="en-US" dirty="0" smtClean="0"/>
-              <a:t>Vectors </a:t>
-            </a:r>
-            <a:r>
-              <a:rPr lang="en-US" dirty="0" smtClean="0"/>
-              <a:t>(</a:t>
-            </a:r>
-            <a:r>
-              <a:rPr lang="en-US" i="1" dirty="0" smtClean="0"/>
+              <a:rPr lang="en-US" dirty="0" smtClean="0">
+                <a:solidFill>
+                  <a:srgbClr val="0070C0"/>
+                </a:solidFill>
+              </a:rPr>
+              <a:t>Vectors (</a:t>
+            </a:r>
+            <a:r>
+              <a:rPr lang="en-US" i="1" dirty="0" smtClean="0">
+                <a:solidFill>
+                  <a:srgbClr val="0070C0"/>
+                </a:solidFill>
+              </a:rPr>
               <a:t>Displacement is a Vector</a:t>
             </a:r>
             <a:r>
-              <a:rPr lang="en-US" dirty="0" smtClean="0"/>
+              <a:rPr lang="en-US" dirty="0" smtClean="0">
+                <a:solidFill>
+                  <a:srgbClr val="0070C0"/>
+                </a:solidFill>
+              </a:rPr>
               <a:t>)</a:t>
             </a:r>
           </a:p>
@@ -12096,7 +12518,15 @@
             <a:pPr lvl="1"/>
             <a:r>
               <a:rPr lang="en-US" dirty="0" smtClean="0"/>
-              <a:t>                 = 3.2 Km [East]</a:t>
+              <a:t>                 = </a:t>
+            </a:r>
+            <a:r>
+              <a:rPr lang="en-US" dirty="0" smtClean="0">
+                <a:solidFill>
+                  <a:srgbClr val="0070C0"/>
+                </a:solidFill>
+              </a:rPr>
+              <a:t>3.3 Km [East]</a:t>
             </a:r>
           </a:p>
           <a:p>
